--- a/WINTER2024/ProgramminginJavaScript/Week10/Week10.pptx
+++ b/WINTER2024/ProgramminginJavaScript/Week10/Week10.pptx
@@ -405,7 +405,7 @@
           <a:p>
             <a:fld id="{3341EE12-F28E-4B03-A404-A8FCAE0F6316}" type="datetime1">
               <a:rPr lang="en-US" smtClean="0"/>
-              <a:t>3/4/2024</a:t>
+              <a:t>3/6/2024</a:t>
             </a:fld>
             <a:endParaRPr lang="en-US" dirty="0"/>
           </a:p>
@@ -690,7 +690,7 @@
           <a:p>
             <a:fld id="{B68B8189-0D9C-48A6-9FA3-862227B094CE}" type="datetime1">
               <a:rPr lang="en-US" smtClean="0"/>
-              <a:t>3/4/2024</a:t>
+              <a:t>3/6/2024</a:t>
             </a:fld>
             <a:endParaRPr lang="en-US"/>
           </a:p>
@@ -1054,7 +1054,7 @@
           <a:p>
             <a:fld id="{26ADDCAE-6443-42C3-9C19-F95985500186}" type="datetime1">
               <a:rPr lang="en-US" smtClean="0"/>
-              <a:t>3/4/2024</a:t>
+              <a:t>3/6/2024</a:t>
             </a:fld>
             <a:endParaRPr lang="en-US" dirty="0"/>
           </a:p>
@@ -1316,7 +1316,7 @@
           <a:p>
             <a:fld id="{1962799E-EB8E-4038-8063-81BB57C732D4}" type="datetime1">
               <a:rPr lang="en-US" smtClean="0"/>
-              <a:t>3/4/2024</a:t>
+              <a:t>3/6/2024</a:t>
             </a:fld>
             <a:endParaRPr lang="en-US"/>
           </a:p>
@@ -1746,7 +1746,7 @@
           <a:p>
             <a:fld id="{217A73C3-B243-44D3-809D-EF8FDFBD85D4}" type="datetime1">
               <a:rPr lang="en-US" smtClean="0"/>
-              <a:t>3/4/2024</a:t>
+              <a:t>3/6/2024</a:t>
             </a:fld>
             <a:endParaRPr lang="en-US" dirty="0"/>
           </a:p>
@@ -2077,7 +2077,7 @@
           <a:p>
             <a:fld id="{C9B6D3E3-28E2-4380-A113-67698215C5F8}" type="datetime1">
               <a:rPr lang="en-US" smtClean="0"/>
-              <a:t>3/4/2024</a:t>
+              <a:t>3/6/2024</a:t>
             </a:fld>
             <a:endParaRPr lang="en-US" dirty="0"/>
           </a:p>
@@ -2510,7 +2510,7 @@
           <a:p>
             <a:fld id="{A9EFCB61-04AD-47C9-BF79-2BD8B9CEC07A}" type="datetime1">
               <a:rPr lang="en-US" smtClean="0"/>
-              <a:t>3/4/2024</a:t>
+              <a:t>3/6/2024</a:t>
             </a:fld>
             <a:endParaRPr lang="en-US" dirty="0"/>
           </a:p>
@@ -2662,7 +2662,7 @@
           <a:p>
             <a:fld id="{A4535E0C-D585-492F-8146-7493F4086301}" type="datetime1">
               <a:rPr lang="en-US" smtClean="0"/>
-              <a:t>3/4/2024</a:t>
+              <a:t>3/6/2024</a:t>
             </a:fld>
             <a:endParaRPr lang="en-US"/>
           </a:p>
@@ -2825,7 +2825,7 @@
           <a:p>
             <a:fld id="{8CE48390-48B5-49AB-B019-A7C8FB8C31F6}" type="datetime1">
               <a:rPr lang="en-US" smtClean="0"/>
-              <a:t>3/4/2024</a:t>
+              <a:t>3/6/2024</a:t>
             </a:fld>
             <a:endParaRPr lang="en-US"/>
           </a:p>
@@ -3354,7 +3354,7 @@
           <a:p>
             <a:fld id="{962E767E-8A14-4E70-91B9-2101CBC4D7BD}" type="datetime1">
               <a:rPr lang="en-US" smtClean="0"/>
-              <a:t>3/4/2024</a:t>
+              <a:t>3/6/2024</a:t>
             </a:fld>
             <a:endParaRPr lang="en-US" dirty="0"/>
           </a:p>
@@ -3875,7 +3875,7 @@
           <a:p>
             <a:fld id="{01AF0C4B-5A4A-45CA-ABEC-10F107160D33}" type="datetime1">
               <a:rPr lang="en-US" smtClean="0"/>
-              <a:t>3/4/2024</a:t>
+              <a:t>3/6/2024</a:t>
             </a:fld>
             <a:endParaRPr lang="en-US" dirty="0"/>
           </a:p>
@@ -4425,7 +4425,7 @@
           <a:p>
             <a:fld id="{6989806E-8E94-473C-AEE7-BE6F15F85533}" type="datetime1">
               <a:rPr lang="en-US" smtClean="0"/>
-              <a:t>3/4/2024</a:t>
+              <a:t>3/6/2024</a:t>
             </a:fld>
             <a:endParaRPr lang="en-US" dirty="0"/>
           </a:p>
@@ -6027,7 +6027,7 @@
           <a:bodyPr/>
           <a:lstStyle/>
           <a:p>
-            <a:endParaRPr lang="en-US"/>
+            <a:endParaRPr lang="en-US" dirty="0"/>
           </a:p>
           <a:p>
             <a:r>
@@ -6148,7 +6148,7 @@
           <a:p>
             <a:r>
               <a:rPr lang="en-US" dirty="0"/>
-              <a:t>What is a “Single page” here?</a:t>
+              <a:t>What is a “Single page” here? “index.html”</a:t>
             </a:r>
           </a:p>
           <a:p>
@@ -6377,6 +6377,15 @@
 </file>
 
 <file path=customXml/item1.xml><?xml version="1.0" encoding="utf-8"?>
+<?mso-contentType ?>
+<FormTemplates xmlns="http://schemas.microsoft.com/sharepoint/v3/contenttype/forms">
+  <Display>DocumentLibraryForm</Display>
+  <Edit>DocumentLibraryForm</Edit>
+  <New>DocumentLibraryForm</New>
+</FormTemplates>
+</file>
+
+<file path=customXml/item2.xml><?xml version="1.0" encoding="utf-8"?>
 <ct:contentTypeSchema xmlns:ct="http://schemas.microsoft.com/office/2006/metadata/contentType" xmlns:ma="http://schemas.microsoft.com/office/2006/metadata/properties/metaAttributes" ct:_="" ma:_="" ma:contentTypeName="Document" ma:contentTypeID="0x010100BBFA29CD42548345BF7AD8289B649807" ma:contentTypeVersion="16" ma:contentTypeDescription="Create a new document." ma:contentTypeScope="" ma:versionID="5d6e2fb274f35dce4e1768f1f2478a71">
   <xsd:schema xmlns:xsd="http://www.w3.org/2001/XMLSchema" xmlns:xs="http://www.w3.org/2001/XMLSchema" xmlns:p="http://schemas.microsoft.com/office/2006/metadata/properties" xmlns:ns3="044ca11b-8123-43f4-bb6d-87b29a109dcd" xmlns:ns4="3411811a-9679-404d-9a25-72d18bdd7fe0" targetNamespace="http://schemas.microsoft.com/office/2006/metadata/properties" ma:root="true" ma:fieldsID="c4d2fd3f9c2200ba90f1e0e671bdf0c6" ns3:_="" ns4:_="">
     <xsd:import namespace="044ca11b-8123-43f4-bb6d-87b29a109dcd"/>
@@ -6617,15 +6626,6 @@
 </ct:contentTypeSchema>
 </file>
 
-<file path=customXml/item2.xml><?xml version="1.0" encoding="utf-8"?>
-<?mso-contentType ?>
-<FormTemplates xmlns="http://schemas.microsoft.com/sharepoint/v3/contenttype/forms">
-  <Display>DocumentLibraryForm</Display>
-  <Edit>DocumentLibraryForm</Edit>
-  <New>DocumentLibraryForm</New>
-</FormTemplates>
-</file>
-
 <file path=customXml/item3.xml><?xml version="1.0" encoding="utf-8"?>
 <p:properties xmlns:p="http://schemas.microsoft.com/office/2006/metadata/properties" xmlns:xsi="http://www.w3.org/2001/XMLSchema-instance" xmlns:pc="http://schemas.microsoft.com/office/infopath/2007/PartnerControls">
   <documentManagement>
@@ -6635,6 +6635,14 @@
 </file>
 
 <file path=customXml/itemProps1.xml><?xml version="1.0" encoding="utf-8"?>
+<ds:datastoreItem xmlns:ds="http://schemas.openxmlformats.org/officeDocument/2006/customXml" ds:itemID="{E8BB6B1C-BAF3-481B-9730-CAD213F6DDAE}">
+  <ds:schemaRefs>
+    <ds:schemaRef ds:uri="http://schemas.microsoft.com/sharepoint/v3/contenttype/forms"/>
+  </ds:schemaRefs>
+</ds:datastoreItem>
+</file>
+
+<file path=customXml/itemProps2.xml><?xml version="1.0" encoding="utf-8"?>
 <ds:datastoreItem xmlns:ds="http://schemas.openxmlformats.org/officeDocument/2006/customXml" ds:itemID="{7B53C227-0236-46C4-A8D1-8FD69E8F6A8F}">
   <ds:schemaRefs>
     <ds:schemaRef ds:uri="http://schemas.microsoft.com/office/2006/metadata/contentType"/>
@@ -6649,14 +6657,6 @@
     <ds:schemaRef ds:uri="http://purl.org/dc/elements/1.1/"/>
     <ds:schemaRef ds:uri="http://purl.org/dc/terms/"/>
     <ds:schemaRef ds:uri="http://schemas.microsoft.com/internal/obd"/>
-  </ds:schemaRefs>
-</ds:datastoreItem>
-</file>
-
-<file path=customXml/itemProps2.xml><?xml version="1.0" encoding="utf-8"?>
-<ds:datastoreItem xmlns:ds="http://schemas.openxmlformats.org/officeDocument/2006/customXml" ds:itemID="{E8BB6B1C-BAF3-481B-9730-CAD213F6DDAE}">
-  <ds:schemaRefs>
-    <ds:schemaRef ds:uri="http://schemas.microsoft.com/sharepoint/v3/contenttype/forms"/>
   </ds:schemaRefs>
 </ds:datastoreItem>
 </file>
